--- a/analysis/figures/newfig2.pptx
+++ b/analysis/figures/newfig2.pptx
@@ -197,7 +197,7 @@
           <a:p>
             <a:fld id="{37730E05-B4D0-5648-9974-57A599AC7387}" type="datetimeFigureOut">
               <a:rPr lang="en-CH" smtClean="0"/>
-              <a:t>14.01.24</a:t>
+              <a:t>14.07.24</a:t>
             </a:fld>
             <a:endParaRPr lang="en-CH"/>
           </a:p>
@@ -680,7 +680,7 @@
           <a:p>
             <a:fld id="{76AE4D50-4B1C-594A-BDAC-2A7806D52B62}" type="datetimeFigureOut">
               <a:rPr lang="en-CH" smtClean="0"/>
-              <a:t>14.01.24</a:t>
+              <a:t>14.07.24</a:t>
             </a:fld>
             <a:endParaRPr lang="en-CH"/>
           </a:p>
@@ -850,7 +850,7 @@
           <a:p>
             <a:fld id="{76AE4D50-4B1C-594A-BDAC-2A7806D52B62}" type="datetimeFigureOut">
               <a:rPr lang="en-CH" smtClean="0"/>
-              <a:t>14.01.24</a:t>
+              <a:t>14.07.24</a:t>
             </a:fld>
             <a:endParaRPr lang="en-CH"/>
           </a:p>
@@ -1030,7 +1030,7 @@
           <a:p>
             <a:fld id="{76AE4D50-4B1C-594A-BDAC-2A7806D52B62}" type="datetimeFigureOut">
               <a:rPr lang="en-CH" smtClean="0"/>
-              <a:t>14.01.24</a:t>
+              <a:t>14.07.24</a:t>
             </a:fld>
             <a:endParaRPr lang="en-CH"/>
           </a:p>
@@ -1200,7 +1200,7 @@
           <a:p>
             <a:fld id="{76AE4D50-4B1C-594A-BDAC-2A7806D52B62}" type="datetimeFigureOut">
               <a:rPr lang="en-CH" smtClean="0"/>
-              <a:t>14.01.24</a:t>
+              <a:t>14.07.24</a:t>
             </a:fld>
             <a:endParaRPr lang="en-CH"/>
           </a:p>
@@ -1444,7 +1444,7 @@
           <a:p>
             <a:fld id="{76AE4D50-4B1C-594A-BDAC-2A7806D52B62}" type="datetimeFigureOut">
               <a:rPr lang="en-CH" smtClean="0"/>
-              <a:t>14.01.24</a:t>
+              <a:t>14.07.24</a:t>
             </a:fld>
             <a:endParaRPr lang="en-CH"/>
           </a:p>
@@ -1676,7 +1676,7 @@
           <a:p>
             <a:fld id="{76AE4D50-4B1C-594A-BDAC-2A7806D52B62}" type="datetimeFigureOut">
               <a:rPr lang="en-CH" smtClean="0"/>
-              <a:t>14.01.24</a:t>
+              <a:t>14.07.24</a:t>
             </a:fld>
             <a:endParaRPr lang="en-CH"/>
           </a:p>
@@ -2043,7 +2043,7 @@
           <a:p>
             <a:fld id="{76AE4D50-4B1C-594A-BDAC-2A7806D52B62}" type="datetimeFigureOut">
               <a:rPr lang="en-CH" smtClean="0"/>
-              <a:t>14.01.24</a:t>
+              <a:t>14.07.24</a:t>
             </a:fld>
             <a:endParaRPr lang="en-CH"/>
           </a:p>
@@ -2161,7 +2161,7 @@
           <a:p>
             <a:fld id="{76AE4D50-4B1C-594A-BDAC-2A7806D52B62}" type="datetimeFigureOut">
               <a:rPr lang="en-CH" smtClean="0"/>
-              <a:t>14.01.24</a:t>
+              <a:t>14.07.24</a:t>
             </a:fld>
             <a:endParaRPr lang="en-CH"/>
           </a:p>
@@ -2256,7 +2256,7 @@
           <a:p>
             <a:fld id="{76AE4D50-4B1C-594A-BDAC-2A7806D52B62}" type="datetimeFigureOut">
               <a:rPr lang="en-CH" smtClean="0"/>
-              <a:t>14.01.24</a:t>
+              <a:t>14.07.24</a:t>
             </a:fld>
             <a:endParaRPr lang="en-CH"/>
           </a:p>
@@ -2533,7 +2533,7 @@
           <a:p>
             <a:fld id="{76AE4D50-4B1C-594A-BDAC-2A7806D52B62}" type="datetimeFigureOut">
               <a:rPr lang="en-CH" smtClean="0"/>
-              <a:t>14.01.24</a:t>
+              <a:t>14.07.24</a:t>
             </a:fld>
             <a:endParaRPr lang="en-CH"/>
           </a:p>
@@ -2790,7 +2790,7 @@
           <a:p>
             <a:fld id="{76AE4D50-4B1C-594A-BDAC-2A7806D52B62}" type="datetimeFigureOut">
               <a:rPr lang="en-CH" smtClean="0"/>
-              <a:t>14.01.24</a:t>
+              <a:t>14.07.24</a:t>
             </a:fld>
             <a:endParaRPr lang="en-CH"/>
           </a:p>
@@ -3003,7 +3003,7 @@
           <a:p>
             <a:fld id="{76AE4D50-4B1C-594A-BDAC-2A7806D52B62}" type="datetimeFigureOut">
               <a:rPr lang="en-CH" smtClean="0"/>
-              <a:t>14.01.24</a:t>
+              <a:t>14.07.24</a:t>
             </a:fld>
             <a:endParaRPr lang="en-CH"/>
           </a:p>
@@ -3410,10 +3410,10 @@
       </p:grpSpPr>
       <p:pic>
         <p:nvPicPr>
-          <p:cNvPr id="8" name="Picture 7" descr="A diagram of different colors&#10;&#10;Description automatically generated with medium confidence">
+          <p:cNvPr id="3" name="Picture 2" descr="A close-up of a chart&#10;&#10;Description automatically generated">
             <a:extLst>
               <a:ext uri="{FF2B5EF4-FFF2-40B4-BE49-F238E27FC236}">
-                <a16:creationId xmlns:a16="http://schemas.microsoft.com/office/drawing/2014/main" id="{450447BB-D5C0-C123-1179-C662C6986450}"/>
+                <a16:creationId xmlns:a16="http://schemas.microsoft.com/office/drawing/2014/main" id="{FEF75D9F-8755-C266-F97A-B545052B22F6}"/>
               </a:ext>
             </a:extLst>
           </p:cNvPr>
@@ -3430,37 +3430,7 @@
         </p:blipFill>
         <p:spPr>
           <a:xfrm>
-            <a:off x="-19343" y="0"/>
-            <a:ext cx="4357479" cy="7199313"/>
-          </a:xfrm>
-          <a:prstGeom prst="rect">
-            <a:avLst/>
-          </a:prstGeom>
-        </p:spPr>
-      </p:pic>
-      <p:pic>
-        <p:nvPicPr>
-          <p:cNvPr id="6" name="Picture 5" descr="A close-up of a chart&#10;&#10;Description automatically generated">
-            <a:extLst>
-              <a:ext uri="{FF2B5EF4-FFF2-40B4-BE49-F238E27FC236}">
-                <a16:creationId xmlns:a16="http://schemas.microsoft.com/office/drawing/2014/main" id="{792A37A9-92A1-F5C9-AB3B-E2F96CC8A3B3}"/>
-              </a:ext>
-            </a:extLst>
-          </p:cNvPr>
-          <p:cNvPicPr>
-            <a:picLocks noChangeAspect="1"/>
-          </p:cNvPicPr>
-          <p:nvPr/>
-        </p:nvPicPr>
-        <p:blipFill>
-          <a:blip r:embed="rId4"/>
-          <a:stretch>
-            <a:fillRect/>
-          </a:stretch>
-        </p:blipFill>
-        <p:spPr>
-          <a:xfrm>
-            <a:off x="0" y="-5034"/>
+            <a:off x="18463" y="0"/>
             <a:ext cx="4357479" cy="7199313"/>
           </a:xfrm>
           <a:prstGeom prst="rect">
@@ -3521,7 +3491,7 @@
           <p:nvPr/>
         </p:nvPicPr>
         <p:blipFill>
-          <a:blip r:embed="rId5"/>
+          <a:blip r:embed="rId4"/>
           <a:stretch>
             <a:fillRect/>
           </a:stretch>
